--- a/slides/scusaConf2013_nosql.pptx
+++ b/slides/scusaConf2013_nosql.pptx
@@ -5,7 +5,7 @@
     <p:sldMasterId id="2147483648" r:id="rId1"/>
   </p:sldMasterIdLst>
   <p:notesMasterIdLst>
-    <p:notesMasterId r:id="rId10"/>
+    <p:notesMasterId r:id="rId13"/>
   </p:notesMasterIdLst>
   <p:sldIdLst>
     <p:sldId id="256" r:id="rId2"/>
@@ -15,7 +15,10 @@
     <p:sldId id="264" r:id="rId6"/>
     <p:sldId id="265" r:id="rId7"/>
     <p:sldId id="266" r:id="rId8"/>
-    <p:sldId id="260" r:id="rId9"/>
+    <p:sldId id="267" r:id="rId9"/>
+    <p:sldId id="268" r:id="rId10"/>
+    <p:sldId id="269" r:id="rId11"/>
+    <p:sldId id="260" r:id="rId12"/>
   </p:sldIdLst>
   <p:sldSz cx="9144000" cy="6858000" type="letter"/>
   <p:notesSz cx="6858000" cy="9144000"/>
@@ -2764,10 +2767,405 @@
           </a:p>
         </p:txBody>
       </p:sp>
+      <p:pic>
+        <p:nvPicPr>
+          <p:cNvPr id="4" name="Picture 3"/>
+          <p:cNvPicPr>
+            <a:picLocks noChangeAspect="1"/>
+          </p:cNvPicPr>
+          <p:nvPr/>
+        </p:nvPicPr>
+        <p:blipFill>
+          <a:blip r:embed="rId2">
+            <a:extLst>
+              <a:ext uri="{28A0092B-C50C-407E-A947-70E740481C1C}">
+                <a14:useLocalDpi xmlns:a14="http://schemas.microsoft.com/office/drawing/2010/main" val="0"/>
+              </a:ext>
+            </a:extLst>
+          </a:blip>
+          <a:stretch>
+            <a:fillRect/>
+          </a:stretch>
+        </p:blipFill>
+        <p:spPr>
+          <a:xfrm>
+            <a:off x="4724400" y="3733800"/>
+            <a:ext cx="4000500" cy="3000375"/>
+          </a:xfrm>
+          <a:prstGeom prst="rect">
+            <a:avLst/>
+          </a:prstGeom>
+        </p:spPr>
+      </p:pic>
     </p:spTree>
     <p:extLst>
       <p:ext uri="{BB962C8B-B14F-4D97-AF65-F5344CB8AC3E}">
         <p14:creationId xmlns:p14="http://schemas.microsoft.com/office/powerpoint/2010/main" val="1775830120"/>
+      </p:ext>
+    </p:extLst>
+  </p:cSld>
+  <p:clrMapOvr>
+    <a:masterClrMapping/>
+  </p:clrMapOvr>
+  <p:timing>
+    <p:tnLst>
+      <p:par>
+        <p:cTn id="1" dur="indefinite" restart="never" nodeType="tmRoot"/>
+      </p:par>
+    </p:tnLst>
+  </p:timing>
+</p:sld>
+</file>
+
+<file path=ppt/slides/slide10.xml><?xml version="1.0" encoding="utf-8"?>
+<p:sld xmlns:a="http://schemas.openxmlformats.org/drawingml/2006/main" xmlns:r="http://schemas.openxmlformats.org/officeDocument/2006/relationships" xmlns:p="http://schemas.openxmlformats.org/presentationml/2006/main">
+  <p:cSld>
+    <p:spTree>
+      <p:nvGrpSpPr>
+        <p:cNvPr id="1" name=""/>
+        <p:cNvGrpSpPr/>
+        <p:nvPr/>
+      </p:nvGrpSpPr>
+      <p:grpSpPr>
+        <a:xfrm>
+          <a:off x="0" y="0"/>
+          <a:ext cx="0" cy="0"/>
+          <a:chOff x="0" y="0"/>
+          <a:chExt cx="0" cy="0"/>
+        </a:xfrm>
+      </p:grpSpPr>
+      <p:sp>
+        <p:nvSpPr>
+          <p:cNvPr id="2" name="Title 1"/>
+          <p:cNvSpPr>
+            <a:spLocks noGrp="1"/>
+          </p:cNvSpPr>
+          <p:nvPr>
+            <p:ph type="title"/>
+          </p:nvPr>
+        </p:nvSpPr>
+        <p:spPr/>
+        <p:txBody>
+          <a:bodyPr/>
+          <a:lstStyle/>
+          <a:p>
+            <a:r>
+              <a:rPr lang="en-US" dirty="0" err="1" smtClean="0"/>
+              <a:t>RavenDB</a:t>
+            </a:r>
+            <a:r>
+              <a:rPr lang="en-US" dirty="0" smtClean="0"/>
+              <a:t> Part 2</a:t>
+            </a:r>
+            <a:endParaRPr lang="en-US" dirty="0"/>
+          </a:p>
+        </p:txBody>
+      </p:sp>
+      <p:sp>
+        <p:nvSpPr>
+          <p:cNvPr id="3" name="Content Placeholder 2"/>
+          <p:cNvSpPr>
+            <a:spLocks noGrp="1"/>
+          </p:cNvSpPr>
+          <p:nvPr>
+            <p:ph idx="1"/>
+          </p:nvPr>
+        </p:nvSpPr>
+        <p:spPr/>
+        <p:txBody>
+          <a:bodyPr/>
+          <a:lstStyle/>
+          <a:p>
+            <a:endParaRPr lang="en-US" dirty="0" smtClean="0"/>
+          </a:p>
+          <a:p>
+            <a:r>
+              <a:rPr lang="en-US" dirty="0" smtClean="0"/>
+              <a:t>Some benefits:</a:t>
+            </a:r>
+          </a:p>
+          <a:p>
+            <a:pPr lvl="1"/>
+            <a:r>
+              <a:rPr lang="en-US" dirty="0" smtClean="0"/>
+              <a:t>Works with plain-old C# object (POCO) types.</a:t>
+            </a:r>
+          </a:p>
+          <a:p>
+            <a:pPr lvl="1"/>
+            <a:r>
+              <a:rPr lang="en-US" dirty="0" smtClean="0"/>
+              <a:t>No </a:t>
+            </a:r>
+            <a:r>
+              <a:rPr lang="en-US" dirty="0" err="1" smtClean="0"/>
+              <a:t>sql</a:t>
+            </a:r>
+            <a:r>
+              <a:rPr lang="en-US" dirty="0" smtClean="0"/>
+              <a:t>-specific decoration for column names.</a:t>
+            </a:r>
+          </a:p>
+          <a:p>
+            <a:pPr lvl="1"/>
+            <a:r>
+              <a:rPr lang="en-US" dirty="0" smtClean="0"/>
+              <a:t>No inline SQL </a:t>
+            </a:r>
+            <a:r>
+              <a:rPr lang="en-US" b="1" dirty="0" smtClean="0"/>
+              <a:t>ever</a:t>
+            </a:r>
+            <a:r>
+              <a:rPr lang="en-US" dirty="0" smtClean="0"/>
+              <a:t>.</a:t>
+            </a:r>
+          </a:p>
+          <a:p>
+            <a:pPr lvl="1"/>
+            <a:r>
+              <a:rPr lang="en-US" dirty="0" smtClean="0"/>
+              <a:t>Safe by default.</a:t>
+            </a:r>
+          </a:p>
+          <a:p>
+            <a:pPr lvl="2"/>
+            <a:r>
+              <a:rPr lang="en-US" dirty="0" smtClean="0"/>
+              <a:t>No unbounded results.</a:t>
+            </a:r>
+          </a:p>
+          <a:p>
+            <a:pPr lvl="2"/>
+            <a:r>
+              <a:rPr lang="en-US" dirty="0" smtClean="0"/>
+              <a:t>No frequent chatty requests back to the server for more data.</a:t>
+            </a:r>
+          </a:p>
+          <a:p>
+            <a:pPr lvl="1"/>
+            <a:r>
+              <a:rPr lang="en-US" dirty="0" smtClean="0"/>
+              <a:t>Asynchronous write support. No blocking!</a:t>
+            </a:r>
+          </a:p>
+          <a:p>
+            <a:pPr lvl="1"/>
+            <a:r>
+              <a:rPr lang="en-US" dirty="0" smtClean="0"/>
+              <a:t>DML? Nope. </a:t>
+            </a:r>
+          </a:p>
+          <a:p>
+            <a:pPr lvl="2"/>
+            <a:r>
+              <a:rPr lang="en-US" dirty="0" smtClean="0"/>
+              <a:t>All document updates happen in C#.</a:t>
+            </a:r>
+          </a:p>
+          <a:p>
+            <a:pPr lvl="1"/>
+            <a:r>
+              <a:rPr lang="en-US" dirty="0" smtClean="0"/>
+              <a:t>Queries? </a:t>
+            </a:r>
+          </a:p>
+          <a:p>
+            <a:pPr lvl="2"/>
+            <a:r>
+              <a:rPr lang="en-US" dirty="0" smtClean="0"/>
+              <a:t>Written entirely in C#</a:t>
+            </a:r>
+          </a:p>
+          <a:p>
+            <a:pPr lvl="1"/>
+            <a:r>
+              <a:rPr lang="en-US" dirty="0" smtClean="0"/>
+              <a:t>Indexes, surely indexes.</a:t>
+            </a:r>
+          </a:p>
+          <a:p>
+            <a:pPr lvl="2"/>
+            <a:r>
+              <a:rPr lang="en-US" dirty="0" smtClean="0"/>
+              <a:t>Nope, those are C# too.</a:t>
+            </a:r>
+          </a:p>
+        </p:txBody>
+      </p:sp>
+      <p:sp>
+        <p:nvSpPr>
+          <p:cNvPr id="4" name="Slide Number Placeholder 3"/>
+          <p:cNvSpPr>
+            <a:spLocks noGrp="1"/>
+          </p:cNvSpPr>
+          <p:nvPr>
+            <p:ph type="sldNum" sz="quarter" idx="12"/>
+          </p:nvPr>
+        </p:nvSpPr>
+        <p:spPr/>
+        <p:txBody>
+          <a:bodyPr/>
+          <a:lstStyle/>
+          <a:p>
+            <a:fld id="{FCCE2D2B-FBD0-49C3-932E-69727B9D4F2A}" type="slidenum">
+              <a:rPr lang="en-US" smtClean="0"/>
+              <a:pPr/>
+              <a:t>10</a:t>
+            </a:fld>
+            <a:endParaRPr lang="en-US"/>
+          </a:p>
+        </p:txBody>
+      </p:sp>
+    </p:spTree>
+    <p:extLst>
+      <p:ext uri="{BB962C8B-B14F-4D97-AF65-F5344CB8AC3E}">
+        <p14:creationId xmlns:p14="http://schemas.microsoft.com/office/powerpoint/2010/main" val="2556069524"/>
+      </p:ext>
+    </p:extLst>
+  </p:cSld>
+  <p:clrMapOvr>
+    <a:masterClrMapping/>
+  </p:clrMapOvr>
+</p:sld>
+</file>
+
+<file path=ppt/slides/slide11.xml><?xml version="1.0" encoding="utf-8"?>
+<p:sld xmlns:a="http://schemas.openxmlformats.org/drawingml/2006/main" xmlns:r="http://schemas.openxmlformats.org/officeDocument/2006/relationships" xmlns:p="http://schemas.openxmlformats.org/presentationml/2006/main">
+  <p:cSld>
+    <p:spTree>
+      <p:nvGrpSpPr>
+        <p:cNvPr id="1" name=""/>
+        <p:cNvGrpSpPr/>
+        <p:nvPr/>
+      </p:nvGrpSpPr>
+      <p:grpSpPr>
+        <a:xfrm>
+          <a:off x="0" y="0"/>
+          <a:ext cx="0" cy="0"/>
+          <a:chOff x="0" y="0"/>
+          <a:chExt cx="0" cy="0"/>
+        </a:xfrm>
+      </p:grpSpPr>
+      <p:sp>
+        <p:nvSpPr>
+          <p:cNvPr id="5" name="TextBox 4"/>
+          <p:cNvSpPr txBox="1"/>
+          <p:nvPr/>
+        </p:nvSpPr>
+        <p:spPr>
+          <a:xfrm>
+            <a:off x="2967037" y="4114800"/>
+            <a:ext cx="2929007" cy="1107996"/>
+          </a:xfrm>
+          <a:prstGeom prst="rect">
+            <a:avLst/>
+          </a:prstGeom>
+          <a:noFill/>
+        </p:spPr>
+        <p:txBody>
+          <a:bodyPr wrap="none" rtlCol="0">
+            <a:spAutoFit/>
+          </a:bodyPr>
+          <a:lstStyle/>
+          <a:p>
+            <a:r>
+              <a:rPr lang="en-US" sz="6600" dirty="0" smtClean="0">
+                <a:solidFill>
+                  <a:schemeClr val="accent4">
+                    <a:lumMod val="75000"/>
+                  </a:schemeClr>
+                </a:solidFill>
+              </a:rPr>
+              <a:t>Thanks!</a:t>
+            </a:r>
+            <a:endParaRPr lang="en-US" sz="6600" dirty="0">
+              <a:solidFill>
+                <a:schemeClr val="accent4">
+                  <a:lumMod val="75000"/>
+                </a:schemeClr>
+              </a:solidFill>
+            </a:endParaRPr>
+          </a:p>
+        </p:txBody>
+      </p:sp>
+      <p:sp>
+        <p:nvSpPr>
+          <p:cNvPr id="2" name="TextBox 1"/>
+          <p:cNvSpPr txBox="1"/>
+          <p:nvPr/>
+        </p:nvSpPr>
+        <p:spPr>
+          <a:xfrm>
+            <a:off x="1828800" y="1786414"/>
+            <a:ext cx="4577856" cy="369332"/>
+          </a:xfrm>
+          <a:prstGeom prst="rect">
+            <a:avLst/>
+          </a:prstGeom>
+          <a:noFill/>
+        </p:spPr>
+        <p:txBody>
+          <a:bodyPr wrap="none" rtlCol="0" anchor="ctr">
+            <a:spAutoFit/>
+          </a:bodyPr>
+          <a:lstStyle/>
+          <a:p>
+            <a:r>
+              <a:rPr lang="en-US" dirty="0" smtClean="0"/>
+              <a:t>For further reading, check out </a:t>
+            </a:r>
+            <a:r>
+              <a:rPr lang="en-US" dirty="0" err="1" smtClean="0"/>
+              <a:t>Ayende’s</a:t>
+            </a:r>
+            <a:r>
+              <a:rPr lang="en-US" dirty="0" smtClean="0"/>
+              <a:t> blog</a:t>
+            </a:r>
+            <a:r>
+              <a:rPr lang="en-US" dirty="0" smtClean="0"/>
+              <a:t>:</a:t>
+            </a:r>
+            <a:endParaRPr lang="en-US" dirty="0"/>
+          </a:p>
+        </p:txBody>
+      </p:sp>
+      <p:sp>
+        <p:nvSpPr>
+          <p:cNvPr id="3" name="Rectangle 2"/>
+          <p:cNvSpPr/>
+          <p:nvPr/>
+        </p:nvSpPr>
+        <p:spPr>
+          <a:xfrm>
+            <a:off x="2006488" y="2274332"/>
+            <a:ext cx="4631885" cy="461665"/>
+          </a:xfrm>
+          <a:prstGeom prst="rect">
+            <a:avLst/>
+          </a:prstGeom>
+        </p:spPr>
+        <p:txBody>
+          <a:bodyPr wrap="square" anchor="ctr">
+            <a:spAutoFit/>
+          </a:bodyPr>
+          <a:lstStyle/>
+          <a:p>
+            <a:r>
+              <a:rPr lang="en-US" sz="2400" dirty="0" smtClean="0">
+                <a:hlinkClick r:id="rId2"/>
+              </a:rPr>
+              <a:t>http://ayende.com/blog</a:t>
+            </a:r>
+            <a:endParaRPr lang="en-US" sz="2400" dirty="0"/>
+          </a:p>
+        </p:txBody>
+      </p:sp>
+    </p:spTree>
+    <p:extLst>
+      <p:ext uri="{BB962C8B-B14F-4D97-AF65-F5344CB8AC3E}">
+        <p14:creationId xmlns:p14="http://schemas.microsoft.com/office/powerpoint/2010/main" val="3746776405"/>
       </p:ext>
     </p:extLst>
   </p:cSld>
@@ -2910,10 +3308,50 @@
           </a:p>
           <a:p>
             <a:r>
-              <a:rPr lang="en-US" dirty="0" smtClean="0"/>
-              <a:t>I don’t have enough time to carry on the ninja premise, so I’m just going to shoot some facts at you now.</a:t>
-            </a:r>
-            <a:endParaRPr lang="en-US" dirty="0"/>
+              <a:rPr lang="en-US" sz="2800" dirty="0" smtClean="0">
+                <a:effectLst>
+                  <a:outerShdw blurRad="38100" dist="38100" dir="2700000" algn="tl">
+                    <a:srgbClr val="000000">
+                      <a:alpha val="43137"/>
+                    </a:srgbClr>
+                  </a:outerShdw>
+                </a:effectLst>
+              </a:rPr>
+              <a:t>I don’t have enough time to carry </a:t>
+            </a:r>
+            <a:r>
+              <a:rPr lang="en-US" sz="2800" dirty="0" smtClean="0">
+                <a:effectLst>
+                  <a:outerShdw blurRad="38100" dist="38100" dir="2700000" algn="tl">
+                    <a:srgbClr val="000000">
+                      <a:alpha val="43137"/>
+                    </a:srgbClr>
+                  </a:outerShdw>
+                </a:effectLst>
+              </a:rPr>
+              <a:t>on with </a:t>
+            </a:r>
+            <a:r>
+              <a:rPr lang="en-US" sz="2800" dirty="0" smtClean="0">
+                <a:effectLst>
+                  <a:outerShdw blurRad="38100" dist="38100" dir="2700000" algn="tl">
+                    <a:srgbClr val="000000">
+                      <a:alpha val="43137"/>
+                    </a:srgbClr>
+                  </a:outerShdw>
+                </a:effectLst>
+              </a:rPr>
+              <a:t>the ninja premise, so I’m just going to shoot some facts at you now.</a:t>
+            </a:r>
+            <a:endParaRPr lang="en-US" sz="2800" dirty="0">
+              <a:effectLst>
+                <a:outerShdw blurRad="38100" dist="38100" dir="2700000" algn="tl">
+                  <a:srgbClr val="000000">
+                    <a:alpha val="43137"/>
+                  </a:srgbClr>
+                </a:outerShdw>
+              </a:effectLst>
+            </a:endParaRPr>
           </a:p>
         </p:txBody>
       </p:sp>
@@ -3063,7 +3501,15 @@
             </a:r>
             <a:r>
               <a:rPr lang="en-US" dirty="0" smtClean="0"/>
-              <a:t> Databases are deployed by some big technology companies, and it does tend to scale well, but </a:t>
+              <a:t> Databases </a:t>
+            </a:r>
+            <a:r>
+              <a:rPr lang="en-US" b="1" dirty="0" smtClean="0"/>
+              <a:t>are</a:t>
+            </a:r>
+            <a:r>
+              <a:rPr lang="en-US" dirty="0" smtClean="0"/>
+              <a:t> deployed by some big technology companies, and it does tend to scale well, but </a:t>
             </a:r>
             <a:r>
               <a:rPr lang="en-US" b="1" dirty="0" smtClean="0"/>
@@ -3107,7 +3553,25 @@
           </a:p>
           <a:p>
             <a:pPr lvl="1"/>
-            <a:endParaRPr lang="en-US" dirty="0"/>
+            <a:endParaRPr lang="en-US" dirty="0" smtClean="0"/>
+          </a:p>
+          <a:p>
+            <a:pPr marL="457200" lvl="1" indent="0">
+              <a:buNone/>
+            </a:pPr>
+            <a:r>
+              <a:rPr lang="en-US" dirty="0" smtClean="0"/>
+              <a:t>No shortage </a:t>
+            </a:r>
+            <a:r>
+              <a:rPr lang="en-US" dirty="0" err="1" smtClean="0"/>
+              <a:t>NoSQL</a:t>
+            </a:r>
+            <a:r>
+              <a:rPr lang="en-US" dirty="0" smtClean="0"/>
+              <a:t> databases to choose from.</a:t>
+            </a:r>
+            <a:endParaRPr lang="en-US" dirty="0" smtClean="0"/>
           </a:p>
         </p:txBody>
       </p:sp>
@@ -3606,7 +4070,9 @@
         </p:nvSpPr>
         <p:spPr/>
         <p:txBody>
-          <a:bodyPr/>
+          <a:bodyPr>
+            <a:normAutofit lnSpcReduction="10000"/>
+          </a:bodyPr>
           <a:lstStyle/>
           <a:p>
             <a:pPr marL="0" indent="0">
@@ -3624,12 +4090,6 @@
               <a:rPr lang="en-US" dirty="0" smtClean="0"/>
               <a:t> SELECT N+1?</a:t>
             </a:r>
-          </a:p>
-          <a:p>
-            <a:pPr marL="800100" lvl="2" indent="0">
-              <a:buNone/>
-            </a:pPr>
-            <a:endParaRPr lang="en-US" dirty="0" smtClean="0"/>
           </a:p>
           <a:p>
             <a:pPr marL="800100" lvl="2" indent="0">
@@ -3820,14 +4280,31 @@
             </a:r>
             <a:r>
               <a:rPr lang="en-US" sz="2400" dirty="0" smtClean="0"/>
-              <a:t>incurs a separate TCP connection, parsing, execution, waiting on the result set from the network.</a:t>
-            </a:r>
+              <a:t>incurs a separate TCP connection, parsing, execution, waiting on the result set from the network</a:t>
+            </a:r>
+            <a:r>
+              <a:rPr lang="en-US" sz="2400" dirty="0" smtClean="0"/>
+              <a:t>. Also, you didn’t specify how many things, so your result set could potentially be VERY large.</a:t>
+            </a:r>
+            <a:endParaRPr lang="en-US" sz="2400" dirty="0" smtClean="0"/>
+          </a:p>
+          <a:p>
+            <a:endParaRPr lang="en-US" sz="2400" b="1" dirty="0" smtClean="0"/>
           </a:p>
           <a:p>
             <a:r>
               <a:rPr lang="en-US" sz="2400" b="1" dirty="0" smtClean="0"/>
-              <a:t>All these things take time. Precious, precious time.</a:t>
-            </a:r>
+              <a:t>All </a:t>
+            </a:r>
+            <a:r>
+              <a:rPr lang="en-US" sz="2400" b="1" dirty="0" smtClean="0"/>
+              <a:t>these things take time. Precious, precious </a:t>
+            </a:r>
+            <a:r>
+              <a:rPr lang="en-US" sz="2400" b="1" dirty="0" smtClean="0"/>
+              <a:t>time…</a:t>
+            </a:r>
+            <a:endParaRPr lang="en-US" sz="2400" b="1" dirty="0" smtClean="0"/>
           </a:p>
         </p:txBody>
       </p:sp>
@@ -3907,6 +4384,10 @@
           <a:bodyPr/>
           <a:lstStyle/>
           <a:p>
+            <a:r>
+              <a:rPr lang="en-US" dirty="0" smtClean="0"/>
+              <a:t>What about that ORM thing?</a:t>
+            </a:r>
             <a:endParaRPr lang="en-US" dirty="0"/>
           </a:p>
         </p:txBody>
@@ -3926,7 +4407,248 @@
           <a:bodyPr/>
           <a:lstStyle/>
           <a:p>
-            <a:endParaRPr lang="en-US"/>
+            <a:r>
+              <a:rPr lang="en-US" dirty="0"/>
+              <a:t>An ORM is a </a:t>
+            </a:r>
+            <a:r>
+              <a:rPr lang="en-US" b="1" dirty="0" smtClean="0"/>
+              <a:t>workaround </a:t>
+            </a:r>
+            <a:r>
+              <a:rPr lang="en-US" dirty="0" smtClean="0"/>
+              <a:t>for </a:t>
+            </a:r>
+            <a:r>
+              <a:rPr lang="en-US" dirty="0"/>
+              <a:t>the impedance mismatch but it is not a complete solution.</a:t>
+            </a:r>
+          </a:p>
+          <a:p>
+            <a:endParaRPr lang="en-US" dirty="0" smtClean="0"/>
+          </a:p>
+          <a:p>
+            <a:r>
+              <a:rPr lang="en-US" dirty="0" smtClean="0"/>
+              <a:t>ORMs </a:t>
+            </a:r>
+            <a:r>
+              <a:rPr lang="en-US" dirty="0"/>
+              <a:t>can do a better job at preventing </a:t>
+            </a:r>
+            <a:r>
+              <a:rPr lang="en-US" b="1" dirty="0"/>
+              <a:t>SELECT N+1</a:t>
+            </a:r>
+            <a:r>
+              <a:rPr lang="en-US" dirty="0"/>
+              <a:t> but they are only as good as the developer writing the query.</a:t>
+            </a:r>
+          </a:p>
+          <a:p>
+            <a:endParaRPr lang="en-US" b="1" dirty="0"/>
+          </a:p>
+          <a:p>
+            <a:r>
+              <a:rPr lang="en-US" dirty="0"/>
+              <a:t>For example, to properly fetch the referenced entities the following would be required in Entity Framework:</a:t>
+            </a:r>
+          </a:p>
+          <a:p>
+            <a:pPr marL="457200" lvl="1" indent="0">
+              <a:buNone/>
+            </a:pPr>
+            <a:r>
+              <a:rPr lang="en-US" dirty="0">
+                <a:solidFill>
+                  <a:srgbClr val="0070C0"/>
+                </a:solidFill>
+              </a:rPr>
+              <a:t>using</a:t>
+            </a:r>
+            <a:r>
+              <a:rPr lang="en-US" dirty="0"/>
+              <a:t> (</a:t>
+            </a:r>
+            <a:r>
+              <a:rPr lang="en-US" dirty="0" err="1">
+                <a:solidFill>
+                  <a:srgbClr val="0070C0"/>
+                </a:solidFill>
+              </a:rPr>
+              <a:t>var</a:t>
+            </a:r>
+            <a:r>
+              <a:rPr lang="en-US" dirty="0">
+                <a:solidFill>
+                  <a:srgbClr val="0070C0"/>
+                </a:solidFill>
+              </a:rPr>
+              <a:t> </a:t>
+            </a:r>
+            <a:r>
+              <a:rPr lang="en-US" dirty="0" err="1"/>
+              <a:t>db</a:t>
+            </a:r>
+            <a:r>
+              <a:rPr lang="en-US" dirty="0"/>
+              <a:t> = </a:t>
+            </a:r>
+            <a:r>
+              <a:rPr lang="en-US" dirty="0">
+                <a:solidFill>
+                  <a:srgbClr val="0070C0"/>
+                </a:solidFill>
+              </a:rPr>
+              <a:t>new</a:t>
+            </a:r>
+            <a:r>
+              <a:rPr lang="en-US" dirty="0"/>
+              <a:t> </a:t>
+            </a:r>
+            <a:r>
+              <a:rPr lang="en-US" dirty="0" err="1">
+                <a:solidFill>
+                  <a:schemeClr val="accent2">
+                    <a:lumMod val="60000"/>
+                    <a:lumOff val="40000"/>
+                  </a:schemeClr>
+                </a:solidFill>
+              </a:rPr>
+              <a:t>MyDbContext</a:t>
+            </a:r>
+            <a:r>
+              <a:rPr lang="en-US" dirty="0"/>
+              <a:t>()) </a:t>
+            </a:r>
+          </a:p>
+          <a:p>
+            <a:pPr marL="457200" lvl="1" indent="0">
+              <a:buNone/>
+            </a:pPr>
+            <a:r>
+              <a:rPr lang="en-US" dirty="0"/>
+              <a:t>{</a:t>
+            </a:r>
+          </a:p>
+          <a:p>
+            <a:pPr marL="457200" lvl="1" indent="0">
+              <a:buNone/>
+            </a:pPr>
+            <a:r>
+              <a:rPr lang="en-US" dirty="0"/>
+              <a:t>	</a:t>
+            </a:r>
+            <a:r>
+              <a:rPr lang="en-US" dirty="0" err="1">
+                <a:solidFill>
+                  <a:srgbClr val="0070C0"/>
+                </a:solidFill>
+              </a:rPr>
+              <a:t>var</a:t>
+            </a:r>
+            <a:r>
+              <a:rPr lang="en-US" dirty="0">
+                <a:solidFill>
+                  <a:srgbClr val="0070C0"/>
+                </a:solidFill>
+              </a:rPr>
+              <a:t> </a:t>
+            </a:r>
+            <a:r>
+              <a:rPr lang="en-US" dirty="0"/>
+              <a:t>accounts = </a:t>
+            </a:r>
+            <a:r>
+              <a:rPr lang="en-US" dirty="0" err="1"/>
+              <a:t>db.Accounts</a:t>
+            </a:r>
+            <a:endParaRPr lang="en-US" dirty="0"/>
+          </a:p>
+          <a:p>
+            <a:pPr marL="457200" lvl="1" indent="0">
+              <a:buNone/>
+            </a:pPr>
+            <a:r>
+              <a:rPr lang="en-US" dirty="0"/>
+              <a:t>		.Include("</a:t>
+            </a:r>
+            <a:r>
+              <a:rPr lang="en-US" dirty="0" err="1"/>
+              <a:t>Customers.Contacts</a:t>
+            </a:r>
+            <a:r>
+              <a:rPr lang="en-US" dirty="0"/>
+              <a:t>")</a:t>
+            </a:r>
+          </a:p>
+          <a:p>
+            <a:pPr marL="457200" lvl="1" indent="0">
+              <a:buNone/>
+            </a:pPr>
+            <a:r>
+              <a:rPr lang="en-US" dirty="0"/>
+              <a:t>		.Include("</a:t>
+            </a:r>
+            <a:r>
+              <a:rPr lang="en-US" dirty="0" err="1"/>
+              <a:t>BillingDetails</a:t>
+            </a:r>
+            <a:r>
+              <a:rPr lang="en-US" dirty="0"/>
+              <a:t>")</a:t>
+            </a:r>
+          </a:p>
+          <a:p>
+            <a:pPr marL="457200" lvl="1" indent="0">
+              <a:buNone/>
+            </a:pPr>
+            <a:r>
+              <a:rPr lang="en-US" dirty="0"/>
+              <a:t>		.Top(25);</a:t>
+            </a:r>
+          </a:p>
+          <a:p>
+            <a:pPr marL="457200" lvl="1" indent="0">
+              <a:buNone/>
+            </a:pPr>
+            <a:r>
+              <a:rPr lang="en-US" dirty="0"/>
+              <a:t>          </a:t>
+            </a:r>
+            <a:r>
+              <a:rPr lang="en-US" dirty="0">
+                <a:solidFill>
+                  <a:srgbClr val="00B050"/>
+                </a:solidFill>
+              </a:rPr>
+              <a:t>// do </a:t>
+            </a:r>
+            <a:r>
+              <a:rPr lang="en-US" dirty="0" smtClean="0">
+                <a:solidFill>
+                  <a:srgbClr val="00B050"/>
+                </a:solidFill>
+              </a:rPr>
+              <a:t>stuff with accounts</a:t>
+            </a:r>
+            <a:endParaRPr lang="en-US" dirty="0">
+              <a:solidFill>
+                <a:srgbClr val="00B050"/>
+              </a:solidFill>
+            </a:endParaRPr>
+          </a:p>
+          <a:p>
+            <a:pPr marL="457200" lvl="1" indent="0">
+              <a:buNone/>
+            </a:pPr>
+            <a:r>
+              <a:rPr lang="en-US" dirty="0"/>
+              <a:t>}</a:t>
+            </a:r>
+          </a:p>
+          <a:p>
+            <a:endParaRPr lang="en-US" dirty="0"/>
           </a:p>
         </p:txBody>
       </p:sp>
@@ -3993,124 +4715,455 @@
       </p:grpSpPr>
       <p:sp>
         <p:nvSpPr>
-          <p:cNvPr id="5" name="TextBox 4"/>
-          <p:cNvSpPr txBox="1"/>
-          <p:nvPr/>
-        </p:nvSpPr>
-        <p:spPr>
-          <a:xfrm>
-            <a:off x="2967037" y="4114800"/>
-            <a:ext cx="2929007" cy="1107996"/>
-          </a:xfrm>
-          <a:prstGeom prst="rect">
-            <a:avLst/>
-          </a:prstGeom>
-          <a:noFill/>
-        </p:spPr>
-        <p:txBody>
-          <a:bodyPr wrap="none" rtlCol="0">
-            <a:spAutoFit/>
-          </a:bodyPr>
+          <p:cNvPr id="2" name="Title 1"/>
+          <p:cNvSpPr>
+            <a:spLocks noGrp="1"/>
+          </p:cNvSpPr>
+          <p:nvPr>
+            <p:ph type="title"/>
+          </p:nvPr>
+        </p:nvSpPr>
+        <p:spPr/>
+        <p:txBody>
+          <a:bodyPr/>
           <a:lstStyle/>
           <a:p>
             <a:r>
-              <a:rPr lang="en-US" sz="6600" dirty="0" smtClean="0">
-                <a:solidFill>
-                  <a:schemeClr val="accent4">
-                    <a:lumMod val="75000"/>
-                  </a:schemeClr>
-                </a:solidFill>
-              </a:rPr>
-              <a:t>Thanks!</a:t>
-            </a:r>
-            <a:endParaRPr lang="en-US" sz="6600" dirty="0">
-              <a:solidFill>
-                <a:schemeClr val="accent4">
-                  <a:lumMod val="75000"/>
-                </a:schemeClr>
-              </a:solidFill>
-            </a:endParaRPr>
-          </a:p>
-        </p:txBody>
-      </p:sp>
-      <p:sp>
-        <p:nvSpPr>
-          <p:cNvPr id="2" name="TextBox 1"/>
-          <p:cNvSpPr txBox="1"/>
-          <p:nvPr/>
-        </p:nvSpPr>
-        <p:spPr>
-          <a:xfrm>
-            <a:off x="1828800" y="1786414"/>
-            <a:ext cx="4987263" cy="369332"/>
-          </a:xfrm>
-          <a:prstGeom prst="rect">
-            <a:avLst/>
-          </a:prstGeom>
-          <a:noFill/>
-        </p:spPr>
-        <p:txBody>
-          <a:bodyPr wrap="none" rtlCol="0" anchor="ctr">
-            <a:spAutoFit/>
-          </a:bodyPr>
+              <a:rPr lang="en-US" dirty="0" smtClean="0"/>
+              <a:t>What about that ORM thing? Part </a:t>
+            </a:r>
+            <a:r>
+              <a:rPr lang="en-US" dirty="0" err="1" smtClean="0"/>
+              <a:t>deux</a:t>
+            </a:r>
+            <a:r>
+              <a:rPr lang="en-US" dirty="0" smtClean="0"/>
+              <a:t>.</a:t>
+            </a:r>
+            <a:endParaRPr lang="en-US" dirty="0"/>
+          </a:p>
+        </p:txBody>
+      </p:sp>
+      <p:sp>
+        <p:nvSpPr>
+          <p:cNvPr id="3" name="Content Placeholder 2"/>
+          <p:cNvSpPr>
+            <a:spLocks noGrp="1"/>
+          </p:cNvSpPr>
+          <p:nvPr>
+            <p:ph idx="1"/>
+          </p:nvPr>
+        </p:nvSpPr>
+        <p:spPr/>
+        <p:txBody>
+          <a:bodyPr/>
           <a:lstStyle/>
           <a:p>
             <a:r>
-              <a:rPr lang="en-US" dirty="0" smtClean="0"/>
-              <a:t>For further reading, check out the PFX team blog:</a:t>
-            </a:r>
+              <a:rPr lang="en-US" dirty="0"/>
+              <a:t>The problem with this approach is that it has the potential to be </a:t>
+            </a:r>
+            <a:r>
+              <a:rPr lang="en-US" b="1" dirty="0"/>
+              <a:t>very inefficient</a:t>
+            </a:r>
+            <a:r>
+              <a:rPr lang="en-US" dirty="0"/>
+              <a:t>.</a:t>
+            </a:r>
+          </a:p>
+          <a:p>
             <a:endParaRPr lang="en-US" dirty="0"/>
           </a:p>
-        </p:txBody>
-      </p:sp>
-      <p:sp>
-        <p:nvSpPr>
-          <p:cNvPr id="3" name="Rectangle 2"/>
-          <p:cNvSpPr/>
-          <p:nvPr/>
-        </p:nvSpPr>
-        <p:spPr>
-          <a:xfrm>
-            <a:off x="2006488" y="2274332"/>
-            <a:ext cx="4631885" cy="461665"/>
-          </a:xfrm>
-          <a:prstGeom prst="rect">
-            <a:avLst/>
-          </a:prstGeom>
-        </p:spPr>
-        <p:txBody>
-          <a:bodyPr wrap="square" anchor="ctr">
-            <a:spAutoFit/>
-          </a:bodyPr>
+          <a:p>
+            <a:r>
+              <a:rPr lang="en-US" dirty="0"/>
+              <a:t>From the MSDN documentation:</a:t>
+            </a:r>
+          </a:p>
+          <a:p>
+            <a:pPr lvl="1"/>
+            <a:r>
+              <a:rPr lang="en-US" dirty="0"/>
+              <a:t>Using query paths can result in </a:t>
+            </a:r>
+            <a:r>
+              <a:rPr lang="en-US" b="1" dirty="0"/>
+              <a:t>complex commands</a:t>
+            </a:r>
+            <a:r>
+              <a:rPr lang="en-US" dirty="0"/>
+              <a:t> being executed against the data source from seemingly simple object queries. </a:t>
+            </a:r>
+            <a:r>
+              <a:rPr lang="en-US" b="1" u="sng" dirty="0"/>
+              <a:t>This occurs because one or more joins are required to return related objects in a single query, which results in redundant data for each related entities being returned from the data source. </a:t>
+            </a:r>
+          </a:p>
+          <a:p>
+            <a:pPr lvl="1"/>
+            <a:endParaRPr lang="en-US" b="1" u="sng" dirty="0"/>
+          </a:p>
+          <a:p>
+            <a:endParaRPr lang="en-US" dirty="0" smtClean="0"/>
+          </a:p>
+          <a:p>
+            <a:r>
+              <a:rPr lang="en-US" dirty="0" smtClean="0"/>
+              <a:t>So </a:t>
+            </a:r>
+            <a:r>
+              <a:rPr lang="en-US" dirty="0"/>
+              <a:t>again, </a:t>
+            </a:r>
+            <a:r>
+              <a:rPr lang="en-US" u="sng" dirty="0"/>
+              <a:t>we’re stuck</a:t>
+            </a:r>
+            <a:r>
+              <a:rPr lang="en-US" dirty="0"/>
+              <a:t>. </a:t>
+            </a:r>
+            <a:r>
+              <a:rPr lang="en-US" b="1" dirty="0"/>
+              <a:t>Too many queries </a:t>
+            </a:r>
+            <a:r>
+              <a:rPr lang="en-US" dirty="0"/>
+              <a:t>or </a:t>
+            </a:r>
+            <a:r>
+              <a:rPr lang="en-US" b="1" dirty="0"/>
+              <a:t>one massive inefficient query</a:t>
+            </a:r>
+            <a:r>
+              <a:rPr lang="en-US" dirty="0"/>
+              <a:t>.</a:t>
+            </a:r>
+          </a:p>
+          <a:p>
+            <a:endParaRPr lang="en-US" dirty="0"/>
+          </a:p>
+          <a:p>
+            <a:endParaRPr lang="en-US" dirty="0" smtClean="0"/>
+          </a:p>
+          <a:p>
+            <a:r>
+              <a:rPr lang="en-US" dirty="0" err="1" smtClean="0"/>
+              <a:t>RavenDB</a:t>
+            </a:r>
+            <a:r>
+              <a:rPr lang="en-US" dirty="0"/>
+              <a:t>, take me </a:t>
+            </a:r>
+            <a:r>
+              <a:rPr lang="en-US" dirty="0" err="1"/>
+              <a:t>awaaaayyyyyyy</a:t>
+            </a:r>
+            <a:r>
+              <a:rPr lang="en-US" dirty="0"/>
+              <a:t>!</a:t>
+            </a:r>
+          </a:p>
+          <a:p>
+            <a:endParaRPr lang="en-US" dirty="0"/>
+          </a:p>
+        </p:txBody>
+      </p:sp>
+      <p:sp>
+        <p:nvSpPr>
+          <p:cNvPr id="4" name="Slide Number Placeholder 3"/>
+          <p:cNvSpPr>
+            <a:spLocks noGrp="1"/>
+          </p:cNvSpPr>
+          <p:nvPr>
+            <p:ph type="sldNum" sz="quarter" idx="12"/>
+          </p:nvPr>
+        </p:nvSpPr>
+        <p:spPr/>
+        <p:txBody>
+          <a:bodyPr/>
           <a:lstStyle/>
           <a:p>
-            <a:r>
-              <a:rPr lang="en-US" sz="2400" dirty="0">
-                <a:hlinkClick r:id="rId2"/>
-              </a:rPr>
-              <a:t>http://blogs.msdn.com/b/pfxteam/</a:t>
-            </a:r>
-            <a:endParaRPr lang="en-US" sz="2400" dirty="0"/>
+            <a:fld id="{FCCE2D2B-FBD0-49C3-932E-69727B9D4F2A}" type="slidenum">
+              <a:rPr lang="en-US" smtClean="0"/>
+              <a:pPr/>
+              <a:t>8</a:t>
+            </a:fld>
+            <a:endParaRPr lang="en-US"/>
           </a:p>
         </p:txBody>
       </p:sp>
     </p:spTree>
     <p:extLst>
       <p:ext uri="{BB962C8B-B14F-4D97-AF65-F5344CB8AC3E}">
-        <p14:creationId xmlns:p14="http://schemas.microsoft.com/office/powerpoint/2010/main" val="3746776405"/>
+        <p14:creationId xmlns:p14="http://schemas.microsoft.com/office/powerpoint/2010/main" val="3234341442"/>
       </p:ext>
     </p:extLst>
   </p:cSld>
   <p:clrMapOvr>
     <a:masterClrMapping/>
   </p:clrMapOvr>
-  <p:timing>
-    <p:tnLst>
-      <p:par>
-        <p:cTn id="1" dur="indefinite" restart="never" nodeType="tmRoot"/>
-      </p:par>
-    </p:tnLst>
-  </p:timing>
+</p:sld>
+</file>
+
+<file path=ppt/slides/slide9.xml><?xml version="1.0" encoding="utf-8"?>
+<p:sld xmlns:a="http://schemas.openxmlformats.org/drawingml/2006/main" xmlns:r="http://schemas.openxmlformats.org/officeDocument/2006/relationships" xmlns:p="http://schemas.openxmlformats.org/presentationml/2006/main">
+  <p:cSld>
+    <p:spTree>
+      <p:nvGrpSpPr>
+        <p:cNvPr id="1" name=""/>
+        <p:cNvGrpSpPr/>
+        <p:nvPr/>
+      </p:nvGrpSpPr>
+      <p:grpSpPr>
+        <a:xfrm>
+          <a:off x="0" y="0"/>
+          <a:ext cx="0" cy="0"/>
+          <a:chOff x="0" y="0"/>
+          <a:chExt cx="0" cy="0"/>
+        </a:xfrm>
+      </p:grpSpPr>
+      <p:sp>
+        <p:nvSpPr>
+          <p:cNvPr id="2" name="Title 1"/>
+          <p:cNvSpPr>
+            <a:spLocks noGrp="1"/>
+          </p:cNvSpPr>
+          <p:nvPr>
+            <p:ph type="title"/>
+          </p:nvPr>
+        </p:nvSpPr>
+        <p:spPr/>
+        <p:txBody>
+          <a:bodyPr/>
+          <a:lstStyle/>
+          <a:p>
+            <a:r>
+              <a:rPr lang="en-US" dirty="0" smtClean="0"/>
+              <a:t>Raven DB</a:t>
+            </a:r>
+            <a:endParaRPr lang="en-US" dirty="0"/>
+          </a:p>
+        </p:txBody>
+      </p:sp>
+      <p:sp>
+        <p:nvSpPr>
+          <p:cNvPr id="4" name="Slide Number Placeholder 3"/>
+          <p:cNvSpPr>
+            <a:spLocks noGrp="1"/>
+          </p:cNvSpPr>
+          <p:nvPr>
+            <p:ph type="sldNum" sz="quarter" idx="12"/>
+          </p:nvPr>
+        </p:nvSpPr>
+        <p:spPr/>
+        <p:txBody>
+          <a:bodyPr/>
+          <a:lstStyle/>
+          <a:p>
+            <a:fld id="{FCCE2D2B-FBD0-49C3-932E-69727B9D4F2A}" type="slidenum">
+              <a:rPr lang="en-US" smtClean="0"/>
+              <a:pPr/>
+              <a:t>9</a:t>
+            </a:fld>
+            <a:endParaRPr lang="en-US"/>
+          </a:p>
+        </p:txBody>
+      </p:sp>
+      <p:sp>
+        <p:nvSpPr>
+          <p:cNvPr id="7" name="Content Placeholder 6"/>
+          <p:cNvSpPr>
+            <a:spLocks noGrp="1"/>
+          </p:cNvSpPr>
+          <p:nvPr>
+            <p:ph idx="1"/>
+          </p:nvPr>
+        </p:nvSpPr>
+        <p:spPr>
+          <a:xfrm>
+            <a:off x="152400" y="2133600"/>
+            <a:ext cx="8839200" cy="4267200"/>
+          </a:xfrm>
+        </p:spPr>
+        <p:txBody>
+          <a:bodyPr>
+            <a:normAutofit lnSpcReduction="10000"/>
+          </a:bodyPr>
+          <a:lstStyle/>
+          <a:p>
+            <a:r>
+              <a:rPr lang="en-US" dirty="0"/>
+              <a:t>D</a:t>
+            </a:r>
+            <a:r>
+              <a:rPr lang="en-US" dirty="0" smtClean="0"/>
+              <a:t>eveloped by Hibernating Rhinos LTD,  </a:t>
+            </a:r>
+            <a:r>
+              <a:rPr lang="en-US" dirty="0" err="1" smtClean="0"/>
+              <a:t>RavenDB</a:t>
+            </a:r>
+            <a:r>
+              <a:rPr lang="en-US" dirty="0" smtClean="0"/>
+              <a:t> is a native </a:t>
+            </a:r>
+            <a:r>
+              <a:rPr lang="en-US" dirty="0" err="1" smtClean="0"/>
+              <a:t>.Net</a:t>
+            </a:r>
+            <a:r>
+              <a:rPr lang="en-US" dirty="0" smtClean="0"/>
+              <a:t> database application with an emphasis on read performance and zero-cost indexing.</a:t>
+            </a:r>
+          </a:p>
+          <a:p>
+            <a:endParaRPr lang="en-US" dirty="0" smtClean="0"/>
+          </a:p>
+          <a:p>
+            <a:r>
+              <a:rPr lang="en-US" dirty="0" smtClean="0"/>
+              <a:t>It was written by this man:</a:t>
+            </a:r>
+          </a:p>
+          <a:p>
+            <a:endParaRPr lang="en-US" dirty="0" smtClean="0"/>
+          </a:p>
+          <a:p>
+            <a:r>
+              <a:rPr lang="en-US" b="1" dirty="0" smtClean="0"/>
+              <a:t>Actual name</a:t>
+            </a:r>
+            <a:r>
+              <a:rPr lang="en-US" dirty="0" smtClean="0"/>
+              <a:t>: Oren </a:t>
+            </a:r>
+            <a:r>
+              <a:rPr lang="en-US" dirty="0" err="1" smtClean="0"/>
+              <a:t>Eini</a:t>
+            </a:r>
+            <a:endParaRPr lang="en-US" dirty="0" smtClean="0"/>
+          </a:p>
+          <a:p>
+            <a:r>
+              <a:rPr lang="en-US" b="1" dirty="0" smtClean="0"/>
+              <a:t>Alias</a:t>
+            </a:r>
+            <a:r>
+              <a:rPr lang="en-US" dirty="0" smtClean="0"/>
+              <a:t>: </a:t>
+            </a:r>
+            <a:r>
+              <a:rPr lang="en-US" dirty="0" err="1" smtClean="0"/>
+              <a:t>Ayende</a:t>
+            </a:r>
+            <a:r>
+              <a:rPr lang="en-US" dirty="0" smtClean="0"/>
+              <a:t> </a:t>
+            </a:r>
+            <a:r>
+              <a:rPr lang="en-US" dirty="0" err="1" smtClean="0"/>
+              <a:t>Rahien</a:t>
+            </a:r>
+            <a:endParaRPr lang="en-US" dirty="0"/>
+          </a:p>
+          <a:p>
+            <a:endParaRPr lang="en-US" dirty="0" smtClean="0"/>
+          </a:p>
+          <a:p>
+            <a:endParaRPr lang="en-US" dirty="0"/>
+          </a:p>
+          <a:p>
+            <a:endParaRPr lang="en-US" dirty="0" smtClean="0"/>
+          </a:p>
+          <a:p>
+            <a:r>
+              <a:rPr lang="en-US" dirty="0" smtClean="0"/>
+              <a:t>He’s Israeli, and he means business. Don’t tell him Raven isn’t a “real” database or it might be very painful for you, physically </a:t>
+            </a:r>
+            <a:r>
+              <a:rPr lang="en-US" b="1" dirty="0" smtClean="0"/>
+              <a:t>and</a:t>
+            </a:r>
+            <a:r>
+              <a:rPr lang="en-US" dirty="0" smtClean="0"/>
+              <a:t> emotionally. </a:t>
+            </a:r>
+            <a:endParaRPr lang="en-US" dirty="0"/>
+          </a:p>
+        </p:txBody>
+      </p:sp>
+      <p:pic>
+        <p:nvPicPr>
+          <p:cNvPr id="8" name="Content Placeholder 4"/>
+          <p:cNvPicPr>
+            <a:picLocks noChangeAspect="1"/>
+          </p:cNvPicPr>
+          <p:nvPr/>
+        </p:nvPicPr>
+        <p:blipFill>
+          <a:blip r:embed="rId2">
+            <a:extLst>
+              <a:ext uri="{28A0092B-C50C-407E-A947-70E740481C1C}">
+                <a14:useLocalDpi xmlns:a14="http://schemas.microsoft.com/office/drawing/2010/main" val="0"/>
+              </a:ext>
+            </a:extLst>
+          </a:blip>
+          <a:stretch>
+            <a:fillRect/>
+          </a:stretch>
+        </p:blipFill>
+        <p:spPr>
+          <a:xfrm>
+            <a:off x="381000" y="685800"/>
+            <a:ext cx="3429000" cy="1190625"/>
+          </a:xfrm>
+          <a:prstGeom prst="rect">
+            <a:avLst/>
+          </a:prstGeom>
+        </p:spPr>
+      </p:pic>
+      <p:pic>
+        <p:nvPicPr>
+          <p:cNvPr id="9" name="Picture 8"/>
+          <p:cNvPicPr>
+            <a:picLocks noChangeAspect="1"/>
+          </p:cNvPicPr>
+          <p:nvPr/>
+        </p:nvPicPr>
+        <p:blipFill>
+          <a:blip r:embed="rId3">
+            <a:extLst>
+              <a:ext uri="{28A0092B-C50C-407E-A947-70E740481C1C}">
+                <a14:useLocalDpi xmlns:a14="http://schemas.microsoft.com/office/drawing/2010/main" val="0"/>
+              </a:ext>
+            </a:extLst>
+          </a:blip>
+          <a:stretch>
+            <a:fillRect/>
+          </a:stretch>
+        </p:blipFill>
+        <p:spPr>
+          <a:xfrm>
+            <a:off x="4191000" y="2971800"/>
+            <a:ext cx="2971800" cy="2294826"/>
+          </a:xfrm>
+          <a:prstGeom prst="rect">
+            <a:avLst/>
+          </a:prstGeom>
+        </p:spPr>
+      </p:pic>
+    </p:spTree>
+    <p:extLst>
+      <p:ext uri="{BB962C8B-B14F-4D97-AF65-F5344CB8AC3E}">
+        <p14:creationId xmlns:p14="http://schemas.microsoft.com/office/powerpoint/2010/main" val="1688317207"/>
+      </p:ext>
+    </p:extLst>
+  </p:cSld>
+  <p:clrMapOvr>
+    <a:masterClrMapping/>
+  </p:clrMapOvr>
 </p:sld>
 </file>
 

--- a/slides/scusaConf2013_nosql.pptx
+++ b/slides/scusaConf2013_nosql.pptx
@@ -5,7 +5,7 @@
     <p:sldMasterId id="2147483648" r:id="rId1"/>
   </p:sldMasterIdLst>
   <p:notesMasterIdLst>
-    <p:notesMasterId r:id="rId13"/>
+    <p:notesMasterId r:id="rId14"/>
   </p:notesMasterIdLst>
   <p:sldIdLst>
     <p:sldId id="256" r:id="rId2"/>
@@ -18,7 +18,8 @@
     <p:sldId id="267" r:id="rId9"/>
     <p:sldId id="268" r:id="rId10"/>
     <p:sldId id="269" r:id="rId11"/>
-    <p:sldId id="260" r:id="rId12"/>
+    <p:sldId id="270" r:id="rId12"/>
+    <p:sldId id="260" r:id="rId13"/>
   </p:sldIdLst>
   <p:sldSz cx="9144000" cy="6858000" type="letter"/>
   <p:notesSz cx="6858000" cy="9144000"/>
@@ -3027,6 +3028,13 @@
   <p:clrMapOvr>
     <a:masterClrMapping/>
   </p:clrMapOvr>
+  <p:timing>
+    <p:tnLst>
+      <p:par>
+        <p:cTn id="1" dur="indefinite" restart="never" nodeType="tmRoot"/>
+      </p:par>
+    </p:tnLst>
+  </p:timing>
 </p:sld>
 </file>
 
@@ -3049,6 +3057,120 @@
       </p:grpSpPr>
       <p:sp>
         <p:nvSpPr>
+          <p:cNvPr id="2" name="Title 1"/>
+          <p:cNvSpPr>
+            <a:spLocks noGrp="1"/>
+          </p:cNvSpPr>
+          <p:nvPr>
+            <p:ph type="title"/>
+          </p:nvPr>
+        </p:nvSpPr>
+        <p:spPr/>
+        <p:txBody>
+          <a:bodyPr/>
+          <a:lstStyle/>
+          <a:p>
+            <a:r>
+              <a:rPr lang="en-US" dirty="0" smtClean="0"/>
+              <a:t>This is much funnier if you’ve seen </a:t>
+            </a:r>
+            <a:r>
+              <a:rPr lang="en-US" dirty="0" err="1" smtClean="0"/>
+              <a:t>Erlang</a:t>
+            </a:r>
+            <a:r>
+              <a:rPr lang="en-US" dirty="0" smtClean="0"/>
+              <a:t>: The Movie</a:t>
+            </a:r>
+            <a:endParaRPr lang="en-US" dirty="0"/>
+          </a:p>
+        </p:txBody>
+      </p:sp>
+      <p:pic>
+        <p:nvPicPr>
+          <p:cNvPr id="5" name="Content Placeholder 4"/>
+          <p:cNvPicPr>
+            <a:picLocks noGrp="1" noChangeAspect="1"/>
+          </p:cNvPicPr>
+          <p:nvPr>
+            <p:ph idx="1"/>
+          </p:nvPr>
+        </p:nvPicPr>
+        <p:blipFill>
+          <a:blip r:embed="rId2">
+            <a:extLst>
+              <a:ext uri="{28A0092B-C50C-407E-A947-70E740481C1C}">
+                <a14:useLocalDpi xmlns:a14="http://schemas.microsoft.com/office/drawing/2010/main" val="0"/>
+              </a:ext>
+            </a:extLst>
+          </a:blip>
+          <a:stretch>
+            <a:fillRect/>
+          </a:stretch>
+        </p:blipFill>
+        <p:spPr>
+          <a:xfrm>
+            <a:off x="381000" y="1356584"/>
+            <a:ext cx="8610600" cy="4316282"/>
+          </a:xfrm>
+        </p:spPr>
+      </p:pic>
+      <p:sp>
+        <p:nvSpPr>
+          <p:cNvPr id="4" name="Slide Number Placeholder 3"/>
+          <p:cNvSpPr>
+            <a:spLocks noGrp="1"/>
+          </p:cNvSpPr>
+          <p:nvPr>
+            <p:ph type="sldNum" sz="quarter" idx="12"/>
+          </p:nvPr>
+        </p:nvSpPr>
+        <p:spPr/>
+        <p:txBody>
+          <a:bodyPr/>
+          <a:lstStyle/>
+          <a:p>
+            <a:fld id="{FCCE2D2B-FBD0-49C3-932E-69727B9D4F2A}" type="slidenum">
+              <a:rPr lang="en-US" smtClean="0"/>
+              <a:pPr/>
+              <a:t>11</a:t>
+            </a:fld>
+            <a:endParaRPr lang="en-US"/>
+          </a:p>
+        </p:txBody>
+      </p:sp>
+    </p:spTree>
+    <p:extLst>
+      <p:ext uri="{BB962C8B-B14F-4D97-AF65-F5344CB8AC3E}">
+        <p14:creationId xmlns:p14="http://schemas.microsoft.com/office/powerpoint/2010/main" val="2210333678"/>
+      </p:ext>
+    </p:extLst>
+  </p:cSld>
+  <p:clrMapOvr>
+    <a:masterClrMapping/>
+  </p:clrMapOvr>
+</p:sld>
+</file>
+
+<file path=ppt/slides/slide12.xml><?xml version="1.0" encoding="utf-8"?>
+<p:sld xmlns:a="http://schemas.openxmlformats.org/drawingml/2006/main" xmlns:r="http://schemas.openxmlformats.org/officeDocument/2006/relationships" xmlns:p="http://schemas.openxmlformats.org/presentationml/2006/main">
+  <p:cSld>
+    <p:spTree>
+      <p:nvGrpSpPr>
+        <p:cNvPr id="1" name=""/>
+        <p:cNvGrpSpPr/>
+        <p:nvPr/>
+      </p:nvGrpSpPr>
+      <p:grpSpPr>
+        <a:xfrm>
+          <a:off x="0" y="0"/>
+          <a:ext cx="0" cy="0"/>
+          <a:chOff x="0" y="0"/>
+          <a:chExt cx="0" cy="0"/>
+        </a:xfrm>
+      </p:grpSpPr>
+      <p:sp>
+        <p:nvSpPr>
           <p:cNvPr id="5" name="TextBox 4"/>
           <p:cNvSpPr txBox="1"/>
           <p:nvPr/>
@@ -3121,11 +3243,7 @@
             </a:r>
             <a:r>
               <a:rPr lang="en-US" dirty="0" smtClean="0"/>
-              <a:t> blog</a:t>
-            </a:r>
-            <a:r>
-              <a:rPr lang="en-US" dirty="0" smtClean="0"/>
-              <a:t>:</a:t>
+              <a:t> blog:</a:t>
             </a:r>
             <a:endParaRPr lang="en-US" dirty="0"/>
           </a:p>
@@ -3317,31 +3435,7 @@
                   </a:outerShdw>
                 </a:effectLst>
               </a:rPr>
-              <a:t>I don’t have enough time to carry </a:t>
-            </a:r>
-            <a:r>
-              <a:rPr lang="en-US" sz="2800" dirty="0" smtClean="0">
-                <a:effectLst>
-                  <a:outerShdw blurRad="38100" dist="38100" dir="2700000" algn="tl">
-                    <a:srgbClr val="000000">
-                      <a:alpha val="43137"/>
-                    </a:srgbClr>
-                  </a:outerShdw>
-                </a:effectLst>
-              </a:rPr>
-              <a:t>on with </a:t>
-            </a:r>
-            <a:r>
-              <a:rPr lang="en-US" sz="2800" dirty="0" smtClean="0">
-                <a:effectLst>
-                  <a:outerShdw blurRad="38100" dist="38100" dir="2700000" algn="tl">
-                    <a:srgbClr val="000000">
-                      <a:alpha val="43137"/>
-                    </a:srgbClr>
-                  </a:outerShdw>
-                </a:effectLst>
-              </a:rPr>
-              <a:t>the ninja premise, so I’m just going to shoot some facts at you now.</a:t>
+              <a:t>I don’t have enough time to carry on with the ninja premise, so I’m just going to shoot some facts at you now.</a:t>
             </a:r>
             <a:endParaRPr lang="en-US" sz="2800" dirty="0">
               <a:effectLst>
@@ -3571,7 +3665,6 @@
               <a:rPr lang="en-US" dirty="0" smtClean="0"/>
               <a:t> databases to choose from.</a:t>
             </a:r>
-            <a:endParaRPr lang="en-US" dirty="0" smtClean="0"/>
           </a:p>
         </p:txBody>
       </p:sp>
@@ -4280,13 +4373,8 @@
             </a:r>
             <a:r>
               <a:rPr lang="en-US" sz="2400" dirty="0" smtClean="0"/>
-              <a:t>incurs a separate TCP connection, parsing, execution, waiting on the result set from the network</a:t>
-            </a:r>
-            <a:r>
-              <a:rPr lang="en-US" sz="2400" dirty="0" smtClean="0"/>
-              <a:t>. Also, you didn’t specify how many things, so your result set could potentially be VERY large.</a:t>
-            </a:r>
-            <a:endParaRPr lang="en-US" sz="2400" dirty="0" smtClean="0"/>
+              <a:t>incurs a separate TCP connection, parsing, execution, waiting on the result set from the network. Also, you didn’t specify how many things, so your result set could potentially be VERY large.</a:t>
+            </a:r>
           </a:p>
           <a:p>
             <a:endParaRPr lang="en-US" sz="2400" b="1" dirty="0" smtClean="0"/>
@@ -4294,17 +4382,8 @@
           <a:p>
             <a:r>
               <a:rPr lang="en-US" sz="2400" b="1" dirty="0" smtClean="0"/>
-              <a:t>All </a:t>
-            </a:r>
-            <a:r>
-              <a:rPr lang="en-US" sz="2400" b="1" dirty="0" smtClean="0"/>
-              <a:t>these things take time. Precious, precious </a:t>
-            </a:r>
-            <a:r>
-              <a:rPr lang="en-US" sz="2400" b="1" dirty="0" smtClean="0"/>
-              <a:t>time…</a:t>
-            </a:r>
-            <a:endParaRPr lang="en-US" sz="2400" b="1" dirty="0" smtClean="0"/>
+              <a:t>All these things take time. Precious, precious time…</a:t>
+            </a:r>
           </a:p>
         </p:txBody>
       </p:sp>
@@ -4904,6 +4983,13 @@
   <p:clrMapOvr>
     <a:masterClrMapping/>
   </p:clrMapOvr>
+  <p:timing>
+    <p:tnLst>
+      <p:par>
+        <p:cTn id="1" dur="indefinite" restart="never" nodeType="tmRoot"/>
+      </p:par>
+    </p:tnLst>
+  </p:timing>
 </p:sld>
 </file>
 
@@ -5164,6 +5250,13 @@
   <p:clrMapOvr>
     <a:masterClrMapping/>
   </p:clrMapOvr>
+  <p:timing>
+    <p:tnLst>
+      <p:par>
+        <p:cTn id="1" dur="indefinite" restart="never" nodeType="tmRoot"/>
+      </p:par>
+    </p:tnLst>
+  </p:timing>
 </p:sld>
 </file>
 
